--- a/SpaceMint.pptx
+++ b/SpaceMint.pptx
@@ -23,6 +23,7 @@
     <p:sldId id="274" r:id="rId17"/>
     <p:sldId id="275" r:id="rId18"/>
     <p:sldId id="276" r:id="rId19"/>
+    <p:sldId id="277" r:id="rId20"/>
   </p:sldIdLst>
   <p:sldSz cx="12192000" cy="6858000"/>
   <p:notesSz cx="6858000" cy="9144000"/>
@@ -320,7 +321,7 @@
           <a:p>
             <a:fld id="{39AB3D8F-2FC7-4302-9C6D-9AB889F7B3BB}" type="datetimeFigureOut">
               <a:rPr lang="LID4096" smtClean="0"/>
-              <a:t>02/10/2025</a:t>
+              <a:t>02/11/2025</a:t>
             </a:fld>
             <a:endParaRPr lang="LID4096"/>
           </a:p>
@@ -756,7 +757,7 @@
           <a:p>
             <a:fld id="{39AB3D8F-2FC7-4302-9C6D-9AB889F7B3BB}" type="datetimeFigureOut">
               <a:rPr lang="LID4096" smtClean="0"/>
-              <a:t>02/10/2025</a:t>
+              <a:t>02/11/2025</a:t>
             </a:fld>
             <a:endParaRPr lang="LID4096"/>
           </a:p>
@@ -1006,7 +1007,7 @@
           <a:p>
             <a:fld id="{39AB3D8F-2FC7-4302-9C6D-9AB889F7B3BB}" type="datetimeFigureOut">
               <a:rPr lang="LID4096" smtClean="0"/>
-              <a:t>02/10/2025</a:t>
+              <a:t>02/11/2025</a:t>
             </a:fld>
             <a:endParaRPr lang="LID4096"/>
           </a:p>
@@ -1314,7 +1315,7 @@
           <a:p>
             <a:fld id="{39AB3D8F-2FC7-4302-9C6D-9AB889F7B3BB}" type="datetimeFigureOut">
               <a:rPr lang="LID4096" smtClean="0"/>
-              <a:t>02/10/2025</a:t>
+              <a:t>02/11/2025</a:t>
             </a:fld>
             <a:endParaRPr lang="LID4096"/>
           </a:p>
@@ -1632,7 +1633,7 @@
           <a:p>
             <a:fld id="{39AB3D8F-2FC7-4302-9C6D-9AB889F7B3BB}" type="datetimeFigureOut">
               <a:rPr lang="LID4096" smtClean="0"/>
-              <a:t>02/10/2025</a:t>
+              <a:t>02/11/2025</a:t>
             </a:fld>
             <a:endParaRPr lang="LID4096"/>
           </a:p>
@@ -1934,7 +1935,7 @@
           <a:p>
             <a:fld id="{39AB3D8F-2FC7-4302-9C6D-9AB889F7B3BB}" type="datetimeFigureOut">
               <a:rPr lang="LID4096" smtClean="0"/>
-              <a:t>02/10/2025</a:t>
+              <a:t>02/11/2025</a:t>
             </a:fld>
             <a:endParaRPr lang="LID4096"/>
           </a:p>
@@ -2301,7 +2302,7 @@
           <a:p>
             <a:fld id="{39AB3D8F-2FC7-4302-9C6D-9AB889F7B3BB}" type="datetimeFigureOut">
               <a:rPr lang="LID4096" smtClean="0"/>
-              <a:t>02/10/2025</a:t>
+              <a:t>02/11/2025</a:t>
             </a:fld>
             <a:endParaRPr lang="LID4096"/>
           </a:p>
@@ -2475,7 +2476,7 @@
           <a:p>
             <a:fld id="{39AB3D8F-2FC7-4302-9C6D-9AB889F7B3BB}" type="datetimeFigureOut">
               <a:rPr lang="LID4096" smtClean="0"/>
-              <a:t>02/10/2025</a:t>
+              <a:t>02/11/2025</a:t>
             </a:fld>
             <a:endParaRPr lang="LID4096"/>
           </a:p>
@@ -2655,7 +2656,7 @@
           <a:p>
             <a:fld id="{39AB3D8F-2FC7-4302-9C6D-9AB889F7B3BB}" type="datetimeFigureOut">
               <a:rPr lang="LID4096" smtClean="0"/>
-              <a:t>02/10/2025</a:t>
+              <a:t>02/11/2025</a:t>
             </a:fld>
             <a:endParaRPr lang="LID4096"/>
           </a:p>
@@ -2825,7 +2826,7 @@
           <a:p>
             <a:fld id="{39AB3D8F-2FC7-4302-9C6D-9AB889F7B3BB}" type="datetimeFigureOut">
               <a:rPr lang="LID4096" smtClean="0"/>
-              <a:t>02/10/2025</a:t>
+              <a:t>02/11/2025</a:t>
             </a:fld>
             <a:endParaRPr lang="LID4096"/>
           </a:p>
@@ -3075,7 +3076,7 @@
           <a:p>
             <a:fld id="{39AB3D8F-2FC7-4302-9C6D-9AB889F7B3BB}" type="datetimeFigureOut">
               <a:rPr lang="LID4096" smtClean="0"/>
-              <a:t>02/10/2025</a:t>
+              <a:t>02/11/2025</a:t>
             </a:fld>
             <a:endParaRPr lang="LID4096"/>
           </a:p>
@@ -3311,7 +3312,7 @@
           <a:p>
             <a:fld id="{39AB3D8F-2FC7-4302-9C6D-9AB889F7B3BB}" type="datetimeFigureOut">
               <a:rPr lang="LID4096" smtClean="0"/>
-              <a:t>02/10/2025</a:t>
+              <a:t>02/11/2025</a:t>
             </a:fld>
             <a:endParaRPr lang="LID4096"/>
           </a:p>
@@ -3693,7 +3694,7 @@
           <a:p>
             <a:fld id="{39AB3D8F-2FC7-4302-9C6D-9AB889F7B3BB}" type="datetimeFigureOut">
               <a:rPr lang="LID4096" smtClean="0"/>
-              <a:t>02/10/2025</a:t>
+              <a:t>02/11/2025</a:t>
             </a:fld>
             <a:endParaRPr lang="LID4096"/>
           </a:p>
@@ -3811,7 +3812,7 @@
           <a:p>
             <a:fld id="{39AB3D8F-2FC7-4302-9C6D-9AB889F7B3BB}" type="datetimeFigureOut">
               <a:rPr lang="LID4096" smtClean="0"/>
-              <a:t>02/10/2025</a:t>
+              <a:t>02/11/2025</a:t>
             </a:fld>
             <a:endParaRPr lang="LID4096"/>
           </a:p>
@@ -3906,7 +3907,7 @@
           <a:p>
             <a:fld id="{39AB3D8F-2FC7-4302-9C6D-9AB889F7B3BB}" type="datetimeFigureOut">
               <a:rPr lang="LID4096" smtClean="0"/>
-              <a:t>02/10/2025</a:t>
+              <a:t>02/11/2025</a:t>
             </a:fld>
             <a:endParaRPr lang="LID4096"/>
           </a:p>
@@ -4161,7 +4162,7 @@
           <a:p>
             <a:fld id="{39AB3D8F-2FC7-4302-9C6D-9AB889F7B3BB}" type="datetimeFigureOut">
               <a:rPr lang="LID4096" smtClean="0"/>
-              <a:t>02/10/2025</a:t>
+              <a:t>02/11/2025</a:t>
             </a:fld>
             <a:endParaRPr lang="LID4096"/>
           </a:p>
@@ -4444,7 +4445,7 @@
           <a:p>
             <a:fld id="{39AB3D8F-2FC7-4302-9C6D-9AB889F7B3BB}" type="datetimeFigureOut">
               <a:rPr lang="LID4096" smtClean="0"/>
-              <a:t>02/10/2025</a:t>
+              <a:t>02/11/2025</a:t>
             </a:fld>
             <a:endParaRPr lang="LID4096"/>
           </a:p>
@@ -4850,7 +4851,7 @@
           <a:p>
             <a:fld id="{39AB3D8F-2FC7-4302-9C6D-9AB889F7B3BB}" type="datetimeFigureOut">
               <a:rPr lang="LID4096" smtClean="0"/>
-              <a:t>02/10/2025</a:t>
+              <a:t>02/11/2025</a:t>
             </a:fld>
             <a:endParaRPr lang="LID4096"/>
           </a:p>
@@ -7780,6 +7781,125 @@
 </p:sld>
 </file>
 
+<file path=ppt/slides/slide19.xml><?xml version="1.0" encoding="utf-8"?>
+<p:sld xmlns:a="http://schemas.openxmlformats.org/drawingml/2006/main" xmlns:r="http://schemas.openxmlformats.org/officeDocument/2006/relationships" xmlns:p="http://schemas.openxmlformats.org/presentationml/2006/main">
+  <p:cSld>
+    <p:spTree>
+      <p:nvGrpSpPr>
+        <p:cNvPr id="1" name=""/>
+        <p:cNvGrpSpPr/>
+        <p:nvPr/>
+      </p:nvGrpSpPr>
+      <p:grpSpPr>
+        <a:xfrm>
+          <a:off x="0" y="0"/>
+          <a:ext cx="0" cy="0"/>
+          <a:chOff x="0" y="0"/>
+          <a:chExt cx="0" cy="0"/>
+        </a:xfrm>
+      </p:grpSpPr>
+      <p:sp>
+        <p:nvSpPr>
+          <p:cNvPr id="11" name="TextBox 10">
+            <a:extLst>
+              <a:ext uri="{FF2B5EF4-FFF2-40B4-BE49-F238E27FC236}">
+                <a16:creationId xmlns:a16="http://schemas.microsoft.com/office/drawing/2014/main" id="{D8C086DB-650D-6B5C-27FF-C322E8CCB2B1}"/>
+              </a:ext>
+            </a:extLst>
+          </p:cNvPr>
+          <p:cNvSpPr txBox="1"/>
+          <p:nvPr/>
+        </p:nvSpPr>
+        <p:spPr>
+          <a:xfrm>
+            <a:off x="326735" y="2305615"/>
+            <a:ext cx="11538529" cy="2246769"/>
+          </a:xfrm>
+          <a:prstGeom prst="rect">
+            <a:avLst/>
+          </a:prstGeom>
+          <a:noFill/>
+        </p:spPr>
+        <p:txBody>
+          <a:bodyPr wrap="square">
+            <a:spAutoFit/>
+          </a:bodyPr>
+          <a:lstStyle/>
+          <a:p>
+            <a:r>
+              <a:rPr lang="en-US" sz="2800" b="1" dirty="0"/>
+              <a:t>Authors</a:t>
+            </a:r>
+            <a:r>
+              <a:rPr lang="en-US" sz="2800" dirty="0"/>
+              <a:t>: Sunoo Park, Albert Kwon, Georg </a:t>
+            </a:r>
+            <a:r>
+              <a:rPr lang="en-US" sz="2800" dirty="0" err="1"/>
+              <a:t>Fuchsbauer</a:t>
+            </a:r>
+            <a:r>
+              <a:rPr lang="en-US" sz="2800" dirty="0"/>
+              <a:t>, Peter </a:t>
+            </a:r>
+            <a:r>
+              <a:rPr lang="en-US" sz="2800" dirty="0" err="1"/>
+              <a:t>Gaži</a:t>
+            </a:r>
+            <a:r>
+              <a:rPr lang="en-US" sz="2800" dirty="0"/>
+              <a:t>, </a:t>
+            </a:r>
+            <a:r>
+              <a:rPr lang="en-US" sz="2800" dirty="0" err="1"/>
+              <a:t>Joël</a:t>
+            </a:r>
+            <a:r>
+              <a:rPr lang="en-US" sz="2800" dirty="0"/>
+              <a:t> Alwen, Krzysztof Pietrzak</a:t>
+            </a:r>
+          </a:p>
+          <a:p>
+            <a:r>
+              <a:rPr lang="en-US" sz="2800" b="1" dirty="0"/>
+              <a:t>Date</a:t>
+            </a:r>
+            <a:r>
+              <a:rPr lang="en-US" sz="2800" dirty="0"/>
+              <a:t>: July 2017</a:t>
+            </a:r>
+          </a:p>
+          <a:p>
+            <a:r>
+              <a:rPr lang="en-US" sz="2800" b="1" dirty="0" err="1"/>
+              <a:t>SpaceMint</a:t>
+            </a:r>
+            <a:r>
+              <a:rPr lang="en-US" sz="2800" dirty="0"/>
+              <a:t>: A Cryptocurrency Based on Proofs of Space.</a:t>
+            </a:r>
+          </a:p>
+          <a:p>
+            <a:r>
+              <a:rPr lang="en-US" sz="2800" dirty="0"/>
+              <a:t>https://fc18.ifca.ai/preproceedings/78.pdf</a:t>
+            </a:r>
+          </a:p>
+        </p:txBody>
+      </p:sp>
+    </p:spTree>
+    <p:extLst>
+      <p:ext uri="{BB962C8B-B14F-4D97-AF65-F5344CB8AC3E}">
+        <p14:creationId xmlns:p14="http://schemas.microsoft.com/office/powerpoint/2010/main" val="3460925828"/>
+      </p:ext>
+    </p:extLst>
+  </p:cSld>
+  <p:clrMapOvr>
+    <a:masterClrMapping/>
+  </p:clrMapOvr>
+</p:sld>
+</file>
+
 <file path=ppt/slides/slide2.xml><?xml version="1.0" encoding="utf-8"?>
 <p:sld xmlns:a="http://schemas.openxmlformats.org/drawingml/2006/main" xmlns:r="http://schemas.openxmlformats.org/officeDocument/2006/relationships" xmlns:p="http://schemas.openxmlformats.org/presentationml/2006/main">
   <p:cSld>
